--- a/03_figures/ig_2023_08_18_fig_genes.pptx
+++ b/03_figures/ig_2023_08_18_fig_genes.pptx
@@ -115,16 +115,96 @@
 </p:presentation>
 </file>
 
-<file path=ppt/revisionInfo.xml><?xml version="1.0" encoding="utf-8"?>
-<p1510:revInfo xmlns:a="http://schemas.openxmlformats.org/drawingml/2006/main" xmlns:r="http://schemas.openxmlformats.org/officeDocument/2006/relationships" xmlns:p1510="http://schemas.microsoft.com/office/powerpoint/2015/10/main">
-  <p1510:revLst>
-    <p1510:client id="{9BA1C2E2-C1C6-0E41-8DB5-E37CFFBFF203}" v="188" dt="2024-01-16T13:33:59.074"/>
-  </p1510:revLst>
-</p1510:revInfo>
-</file>
-
 <file path=ppt/changesInfos/changesInfo1.xml><?xml version="1.0" encoding="utf-8"?>
 <pc:chgInfo xmlns:a="http://schemas.openxmlformats.org/drawingml/2006/main" xmlns:r="http://schemas.openxmlformats.org/officeDocument/2006/relationships" xmlns:ac="http://schemas.microsoft.com/office/drawing/2013/main/command" xmlns:pc="http://schemas.microsoft.com/office/powerpoint/2013/main/command">
+  <pc:docChgLst>
+    <pc:chgData name="Ann Igolkina" userId="4d1b5d7ddf2bbc78" providerId="LiveId" clId="{8EC1169E-ADAF-3A42-AA5F-B50CD752CF1A}"/>
+    <pc:docChg chg="modSld">
+      <pc:chgData name="Ann Igolkina" userId="4d1b5d7ddf2bbc78" providerId="LiveId" clId="{8EC1169E-ADAF-3A42-AA5F-B50CD752CF1A}" dt="2024-05-23T10:50:15.503" v="11" actId="164"/>
+      <pc:docMkLst>
+        <pc:docMk/>
+      </pc:docMkLst>
+      <pc:sldChg chg="addSp delSp modSp mod">
+        <pc:chgData name="Ann Igolkina" userId="4d1b5d7ddf2bbc78" providerId="LiveId" clId="{8EC1169E-ADAF-3A42-AA5F-B50CD752CF1A}" dt="2024-05-23T10:50:15.503" v="11" actId="164"/>
+        <pc:sldMkLst>
+          <pc:docMk/>
+          <pc:sldMk cId="3114100624" sldId="256"/>
+        </pc:sldMkLst>
+        <pc:spChg chg="mod topLvl">
+          <ac:chgData name="Ann Igolkina" userId="4d1b5d7ddf2bbc78" providerId="LiveId" clId="{8EC1169E-ADAF-3A42-AA5F-B50CD752CF1A}" dt="2024-05-23T10:03:30.860" v="6" actId="165"/>
+          <ac:spMkLst>
+            <pc:docMk/>
+            <pc:sldMk cId="3114100624" sldId="256"/>
+            <ac:spMk id="14" creationId="{D0DEBD21-5114-4E3F-1699-3C9786D9F8BB}"/>
+          </ac:spMkLst>
+        </pc:spChg>
+        <pc:spChg chg="mod topLvl">
+          <ac:chgData name="Ann Igolkina" userId="4d1b5d7ddf2bbc78" providerId="LiveId" clId="{8EC1169E-ADAF-3A42-AA5F-B50CD752CF1A}" dt="2024-05-23T10:03:30.860" v="6" actId="165"/>
+          <ac:spMkLst>
+            <pc:docMk/>
+            <pc:sldMk cId="3114100624" sldId="256"/>
+            <ac:spMk id="15" creationId="{E31071E1-94D5-6221-380E-A2F24A0467D8}"/>
+          </ac:spMkLst>
+        </pc:spChg>
+        <pc:grpChg chg="del">
+          <ac:chgData name="Ann Igolkina" userId="4d1b5d7ddf2bbc78" providerId="LiveId" clId="{8EC1169E-ADAF-3A42-AA5F-B50CD752CF1A}" dt="2024-05-13T13:37:40.610" v="0" actId="165"/>
+          <ac:grpSpMkLst>
+            <pc:docMk/>
+            <pc:sldMk cId="3114100624" sldId="256"/>
+            <ac:grpSpMk id="16" creationId="{3FF5D50A-89A3-D9D8-07AA-AD20F2DF7F5B}"/>
+          </ac:grpSpMkLst>
+        </pc:grpChg>
+        <pc:grpChg chg="add">
+          <ac:chgData name="Ann Igolkina" userId="4d1b5d7ddf2bbc78" providerId="LiveId" clId="{8EC1169E-ADAF-3A42-AA5F-B50CD752CF1A}" dt="2024-05-23T10:03:35.283" v="7" actId="164"/>
+          <ac:grpSpMkLst>
+            <pc:docMk/>
+            <pc:sldMk cId="3114100624" sldId="256"/>
+            <ac:grpSpMk id="16" creationId="{47444740-0B11-06E2-CA91-94E4A2F9CFE3}"/>
+          </ac:grpSpMkLst>
+        </pc:grpChg>
+        <pc:grpChg chg="add del mod">
+          <ac:chgData name="Ann Igolkina" userId="4d1b5d7ddf2bbc78" providerId="LiveId" clId="{8EC1169E-ADAF-3A42-AA5F-B50CD752CF1A}" dt="2024-05-23T10:03:30.860" v="6" actId="165"/>
+          <ac:grpSpMkLst>
+            <pc:docMk/>
+            <pc:sldMk cId="3114100624" sldId="256"/>
+            <ac:grpSpMk id="17" creationId="{5B577E02-F1D3-8662-0A57-E91A1DA001F1}"/>
+          </ac:grpSpMkLst>
+        </pc:grpChg>
+        <pc:grpChg chg="add mod">
+          <ac:chgData name="Ann Igolkina" userId="4d1b5d7ddf2bbc78" providerId="LiveId" clId="{8EC1169E-ADAF-3A42-AA5F-B50CD752CF1A}" dt="2024-05-23T10:03:42.941" v="10" actId="1076"/>
+          <ac:grpSpMkLst>
+            <pc:docMk/>
+            <pc:sldMk cId="3114100624" sldId="256"/>
+            <ac:grpSpMk id="18" creationId="{F1A0149E-D40D-D3A6-1825-A2B33EB50ED1}"/>
+          </ac:grpSpMkLst>
+        </pc:grpChg>
+        <pc:grpChg chg="add">
+          <ac:chgData name="Ann Igolkina" userId="4d1b5d7ddf2bbc78" providerId="LiveId" clId="{8EC1169E-ADAF-3A42-AA5F-B50CD752CF1A}" dt="2024-05-23T10:50:15.503" v="11" actId="164"/>
+          <ac:grpSpMkLst>
+            <pc:docMk/>
+            <pc:sldMk cId="3114100624" sldId="256"/>
+            <ac:grpSpMk id="19" creationId="{B8A6E3F8-6A6C-3BDF-0856-8817CD98A0ED}"/>
+          </ac:grpSpMkLst>
+        </pc:grpChg>
+        <pc:picChg chg="topLvl">
+          <ac:chgData name="Ann Igolkina" userId="4d1b5d7ddf2bbc78" providerId="LiveId" clId="{8EC1169E-ADAF-3A42-AA5F-B50CD752CF1A}" dt="2024-05-23T10:03:30.860" v="6" actId="165"/>
+          <ac:picMkLst>
+            <pc:docMk/>
+            <pc:sldMk cId="3114100624" sldId="256"/>
+            <ac:picMk id="8" creationId="{FAF18E8A-BD2E-4810-011F-9A0FE832F638}"/>
+          </ac:picMkLst>
+        </pc:picChg>
+        <pc:picChg chg="mod topLvl">
+          <ac:chgData name="Ann Igolkina" userId="4d1b5d7ddf2bbc78" providerId="LiveId" clId="{8EC1169E-ADAF-3A42-AA5F-B50CD752CF1A}" dt="2024-05-23T10:03:30.860" v="6" actId="165"/>
+          <ac:picMkLst>
+            <pc:docMk/>
+            <pc:sldMk cId="3114100624" sldId="256"/>
+            <ac:picMk id="9" creationId="{371D7F5C-E957-2F8D-E117-63D500C8D14C}"/>
+          </ac:picMkLst>
+        </pc:picChg>
+      </pc:sldChg>
+    </pc:docChg>
+  </pc:docChgLst>
   <pc:docChgLst>
     <pc:chgData name="Ann Igolkina" userId="4d1b5d7ddf2bbc78" providerId="LiveId" clId="{B3EDCB23-BBD4-AC4F-B1B2-4145A44040C4}"/>
     <pc:docChg chg="undo custSel addSld delSld modSld">
@@ -4084,7 +4164,7 @@
           <a:p>
             <a:fld id="{54B5EF71-3848-8048-B7D2-636D112955BB}" type="datetimeFigureOut">
               <a:rPr lang="en-AT" smtClean="0"/>
-              <a:t>16.01.24</a:t>
+              <a:t>23.05.24</a:t>
             </a:fld>
             <a:endParaRPr lang="en-AT"/>
           </a:p>
@@ -4254,7 +4334,7 @@
           <a:p>
             <a:fld id="{54B5EF71-3848-8048-B7D2-636D112955BB}" type="datetimeFigureOut">
               <a:rPr lang="en-AT" smtClean="0"/>
-              <a:t>16.01.24</a:t>
+              <a:t>23.05.24</a:t>
             </a:fld>
             <a:endParaRPr lang="en-AT"/>
           </a:p>
@@ -4434,7 +4514,7 @@
           <a:p>
             <a:fld id="{54B5EF71-3848-8048-B7D2-636D112955BB}" type="datetimeFigureOut">
               <a:rPr lang="en-AT" smtClean="0"/>
-              <a:t>16.01.24</a:t>
+              <a:t>23.05.24</a:t>
             </a:fld>
             <a:endParaRPr lang="en-AT"/>
           </a:p>
@@ -4604,7 +4684,7 @@
           <a:p>
             <a:fld id="{54B5EF71-3848-8048-B7D2-636D112955BB}" type="datetimeFigureOut">
               <a:rPr lang="en-AT" smtClean="0"/>
-              <a:t>16.01.24</a:t>
+              <a:t>23.05.24</a:t>
             </a:fld>
             <a:endParaRPr lang="en-AT"/>
           </a:p>
@@ -4848,7 +4928,7 @@
           <a:p>
             <a:fld id="{54B5EF71-3848-8048-B7D2-636D112955BB}" type="datetimeFigureOut">
               <a:rPr lang="en-AT" smtClean="0"/>
-              <a:t>16.01.24</a:t>
+              <a:t>23.05.24</a:t>
             </a:fld>
             <a:endParaRPr lang="en-AT"/>
           </a:p>
@@ -5080,7 +5160,7 @@
           <a:p>
             <a:fld id="{54B5EF71-3848-8048-B7D2-636D112955BB}" type="datetimeFigureOut">
               <a:rPr lang="en-AT" smtClean="0"/>
-              <a:t>16.01.24</a:t>
+              <a:t>23.05.24</a:t>
             </a:fld>
             <a:endParaRPr lang="en-AT"/>
           </a:p>
@@ -5447,7 +5527,7 @@
           <a:p>
             <a:fld id="{54B5EF71-3848-8048-B7D2-636D112955BB}" type="datetimeFigureOut">
               <a:rPr lang="en-AT" smtClean="0"/>
-              <a:t>16.01.24</a:t>
+              <a:t>23.05.24</a:t>
             </a:fld>
             <a:endParaRPr lang="en-AT"/>
           </a:p>
@@ -5565,7 +5645,7 @@
           <a:p>
             <a:fld id="{54B5EF71-3848-8048-B7D2-636D112955BB}" type="datetimeFigureOut">
               <a:rPr lang="en-AT" smtClean="0"/>
-              <a:t>16.01.24</a:t>
+              <a:t>23.05.24</a:t>
             </a:fld>
             <a:endParaRPr lang="en-AT"/>
           </a:p>
@@ -5660,7 +5740,7 @@
           <a:p>
             <a:fld id="{54B5EF71-3848-8048-B7D2-636D112955BB}" type="datetimeFigureOut">
               <a:rPr lang="en-AT" smtClean="0"/>
-              <a:t>16.01.24</a:t>
+              <a:t>23.05.24</a:t>
             </a:fld>
             <a:endParaRPr lang="en-AT"/>
           </a:p>
@@ -5937,7 +6017,7 @@
           <a:p>
             <a:fld id="{54B5EF71-3848-8048-B7D2-636D112955BB}" type="datetimeFigureOut">
               <a:rPr lang="en-AT" smtClean="0"/>
-              <a:t>16.01.24</a:t>
+              <a:t>23.05.24</a:t>
             </a:fld>
             <a:endParaRPr lang="en-AT"/>
           </a:p>
@@ -6194,7 +6274,7 @@
           <a:p>
             <a:fld id="{54B5EF71-3848-8048-B7D2-636D112955BB}" type="datetimeFigureOut">
               <a:rPr lang="en-AT" smtClean="0"/>
-              <a:t>16.01.24</a:t>
+              <a:t>23.05.24</a:t>
             </a:fld>
             <a:endParaRPr lang="en-AT"/>
           </a:p>
@@ -6407,7 +6487,7 @@
           <a:p>
             <a:fld id="{54B5EF71-3848-8048-B7D2-636D112955BB}" type="datetimeFigureOut">
               <a:rPr lang="en-AT" smtClean="0"/>
-              <a:t>16.01.24</a:t>
+              <a:t>23.05.24</a:t>
             </a:fld>
             <a:endParaRPr lang="en-AT"/>
           </a:p>
@@ -8845,10 +8925,10 @@
       </p:sp>
       <p:grpSp>
         <p:nvGrpSpPr>
-          <p:cNvPr id="16" name="Group 15">
+          <p:cNvPr id="19" name="Group 18">
             <a:extLst>
               <a:ext uri="{FF2B5EF4-FFF2-40B4-BE49-F238E27FC236}">
-                <a16:creationId xmlns:a16="http://schemas.microsoft.com/office/drawing/2014/main" id="{3FF5D50A-89A3-D9D8-07AA-AD20F2DF7F5B}"/>
+                <a16:creationId xmlns:a16="http://schemas.microsoft.com/office/drawing/2014/main" id="{B8A6E3F8-6A6C-3BDF-0856-8817CD98A0ED}"/>
               </a:ext>
             </a:extLst>
           </p:cNvPr>
@@ -8857,142 +8937,188 @@
         </p:nvGrpSpPr>
         <p:grpSpPr>
           <a:xfrm>
-            <a:off x="0" y="11417863"/>
-            <a:ext cx="7315200" cy="3660239"/>
-            <a:chOff x="0" y="11417863"/>
-            <a:chExt cx="7315200" cy="3660239"/>
+            <a:off x="3657600" y="12267350"/>
+            <a:ext cx="7315200" cy="3662878"/>
+            <a:chOff x="3657600" y="12267350"/>
+            <a:chExt cx="7315200" cy="3662878"/>
           </a:xfrm>
         </p:grpSpPr>
-        <p:pic>
-          <p:nvPicPr>
-            <p:cNvPr id="8" name="Picture 7">
+        <p:grpSp>
+          <p:nvGrpSpPr>
+            <p:cNvPr id="16" name="Group 15">
               <a:extLst>
                 <a:ext uri="{FF2B5EF4-FFF2-40B4-BE49-F238E27FC236}">
-                  <a16:creationId xmlns:a16="http://schemas.microsoft.com/office/drawing/2014/main" id="{FAF18E8A-BD2E-4810-011F-9A0FE832F638}"/>
+                  <a16:creationId xmlns:a16="http://schemas.microsoft.com/office/drawing/2014/main" id="{47444740-0B11-06E2-CA91-94E4A2F9CFE3}"/>
                 </a:ext>
               </a:extLst>
             </p:cNvPr>
-            <p:cNvPicPr>
-              <a:picLocks noChangeAspect="1"/>
-            </p:cNvPicPr>
+            <p:cNvGrpSpPr/>
             <p:nvPr/>
-          </p:nvPicPr>
-          <p:blipFill>
-            <a:blip r:embed="rId2"/>
-            <a:stretch>
-              <a:fillRect/>
-            </a:stretch>
-          </p:blipFill>
-          <p:spPr>
+          </p:nvGrpSpPr>
+          <p:grpSpPr>
             <a:xfrm>
-              <a:off x="0" y="11417863"/>
+              <a:off x="3657600" y="12272628"/>
               <a:ext cx="3657600" cy="3657600"/>
+              <a:chOff x="3657600" y="12272628"/>
+              <a:chExt cx="3657600" cy="3657600"/>
             </a:xfrm>
-            <a:prstGeom prst="rect">
-              <a:avLst/>
-            </a:prstGeom>
-          </p:spPr>
-        </p:pic>
-        <p:pic>
-          <p:nvPicPr>
-            <p:cNvPr id="9" name="Picture 8">
+          </p:grpSpPr>
+          <p:pic>
+            <p:nvPicPr>
+              <p:cNvPr id="8" name="Picture 7">
+                <a:extLst>
+                  <a:ext uri="{FF2B5EF4-FFF2-40B4-BE49-F238E27FC236}">
+                    <a16:creationId xmlns:a16="http://schemas.microsoft.com/office/drawing/2014/main" id="{FAF18E8A-BD2E-4810-011F-9A0FE832F638}"/>
+                  </a:ext>
+                </a:extLst>
+              </p:cNvPr>
+              <p:cNvPicPr>
+                <a:picLocks noChangeAspect="1"/>
+              </p:cNvPicPr>
+              <p:nvPr/>
+            </p:nvPicPr>
+            <p:blipFill>
+              <a:blip r:embed="rId2"/>
+              <a:stretch>
+                <a:fillRect/>
+              </a:stretch>
+            </p:blipFill>
+            <p:spPr>
+              <a:xfrm>
+                <a:off x="3657600" y="12272628"/>
+                <a:ext cx="3657600" cy="3657600"/>
+              </a:xfrm>
+              <a:prstGeom prst="rect">
+                <a:avLst/>
+              </a:prstGeom>
+            </p:spPr>
+          </p:pic>
+          <p:sp>
+            <p:nvSpPr>
+              <p:cNvPr id="14" name="TextBox 13">
+                <a:extLst>
+                  <a:ext uri="{FF2B5EF4-FFF2-40B4-BE49-F238E27FC236}">
+                    <a16:creationId xmlns:a16="http://schemas.microsoft.com/office/drawing/2014/main" id="{D0DEBD21-5114-4E3F-1699-3C9786D9F8BB}"/>
+                  </a:ext>
+                </a:extLst>
+              </p:cNvPr>
+              <p:cNvSpPr txBox="1"/>
+              <p:nvPr/>
+            </p:nvSpPr>
+            <p:spPr>
+              <a:xfrm>
+                <a:off x="4473388" y="12356483"/>
+                <a:ext cx="351378" cy="369332"/>
+              </a:xfrm>
+              <a:prstGeom prst="rect">
+                <a:avLst/>
+              </a:prstGeom>
+              <a:noFill/>
+            </p:spPr>
+            <p:txBody>
+              <a:bodyPr wrap="none" rtlCol="0">
+                <a:spAutoFit/>
+              </a:bodyPr>
+              <a:lstStyle/>
+              <a:p>
+                <a:r>
+                  <a:rPr lang="en-AT" b="1" dirty="0">
+                    <a:latin typeface="Helvetica" pitchFamily="2" charset="0"/>
+                  </a:rPr>
+                  <a:t>A</a:t>
+                </a:r>
+              </a:p>
+            </p:txBody>
+          </p:sp>
+        </p:grpSp>
+        <p:grpSp>
+          <p:nvGrpSpPr>
+            <p:cNvPr id="18" name="Group 17">
               <a:extLst>
                 <a:ext uri="{FF2B5EF4-FFF2-40B4-BE49-F238E27FC236}">
-                  <a16:creationId xmlns:a16="http://schemas.microsoft.com/office/drawing/2014/main" id="{371D7F5C-E957-2F8D-E117-63D500C8D14C}"/>
+                  <a16:creationId xmlns:a16="http://schemas.microsoft.com/office/drawing/2014/main" id="{F1A0149E-D40D-D3A6-1825-A2B33EB50ED1}"/>
                 </a:ext>
               </a:extLst>
             </p:cNvPr>
-            <p:cNvPicPr>
-              <a:picLocks noChangeAspect="1"/>
-            </p:cNvPicPr>
+            <p:cNvGrpSpPr/>
             <p:nvPr/>
-          </p:nvPicPr>
-          <p:blipFill>
-            <a:blip r:embed="rId3"/>
-            <a:stretch>
-              <a:fillRect/>
-            </a:stretch>
-          </p:blipFill>
-          <p:spPr>
+          </p:nvGrpSpPr>
+          <p:grpSpPr>
             <a:xfrm>
-              <a:off x="3657600" y="11420502"/>
+              <a:off x="7315200" y="12267350"/>
               <a:ext cx="3657600" cy="3657600"/>
+              <a:chOff x="3657600" y="15930228"/>
+              <a:chExt cx="3657600" cy="3657600"/>
             </a:xfrm>
-            <a:prstGeom prst="rect">
-              <a:avLst/>
-            </a:prstGeom>
-          </p:spPr>
-        </p:pic>
-        <p:sp>
-          <p:nvSpPr>
-            <p:cNvPr id="14" name="TextBox 13">
-              <a:extLst>
-                <a:ext uri="{FF2B5EF4-FFF2-40B4-BE49-F238E27FC236}">
-                  <a16:creationId xmlns:a16="http://schemas.microsoft.com/office/drawing/2014/main" id="{D0DEBD21-5114-4E3F-1699-3C9786D9F8BB}"/>
-                </a:ext>
-              </a:extLst>
-            </p:cNvPr>
-            <p:cNvSpPr txBox="1"/>
-            <p:nvPr/>
-          </p:nvSpPr>
-          <p:spPr>
-            <a:xfrm>
-              <a:off x="815788" y="11501718"/>
-              <a:ext cx="317716" cy="369332"/>
-            </a:xfrm>
-            <a:prstGeom prst="rect">
-              <a:avLst/>
-            </a:prstGeom>
-            <a:noFill/>
-          </p:spPr>
-          <p:txBody>
-            <a:bodyPr wrap="none" rtlCol="0">
-              <a:spAutoFit/>
-            </a:bodyPr>
-            <a:lstStyle/>
-            <a:p>
-              <a:r>
-                <a:rPr lang="en-AT" dirty="0"/>
-                <a:t>A</a:t>
-              </a:r>
-            </a:p>
-          </p:txBody>
-        </p:sp>
-        <p:sp>
-          <p:nvSpPr>
-            <p:cNvPr id="15" name="TextBox 14">
-              <a:extLst>
-                <a:ext uri="{FF2B5EF4-FFF2-40B4-BE49-F238E27FC236}">
-                  <a16:creationId xmlns:a16="http://schemas.microsoft.com/office/drawing/2014/main" id="{E31071E1-94D5-6221-380E-A2F24A0467D8}"/>
-                </a:ext>
-              </a:extLst>
-            </p:cNvPr>
-            <p:cNvSpPr txBox="1"/>
-            <p:nvPr/>
-          </p:nvSpPr>
-          <p:spPr>
-            <a:xfrm>
-              <a:off x="4473388" y="11501718"/>
-              <a:ext cx="309700" cy="369332"/>
-            </a:xfrm>
-            <a:prstGeom prst="rect">
-              <a:avLst/>
-            </a:prstGeom>
-            <a:noFill/>
-          </p:spPr>
-          <p:txBody>
-            <a:bodyPr wrap="none" rtlCol="0">
-              <a:spAutoFit/>
-            </a:bodyPr>
-            <a:lstStyle/>
-            <a:p>
-              <a:r>
-                <a:rPr lang="en-AT" dirty="0"/>
-                <a:t>B</a:t>
-              </a:r>
-            </a:p>
-          </p:txBody>
-        </p:sp>
+          </p:grpSpPr>
+          <p:pic>
+            <p:nvPicPr>
+              <p:cNvPr id="9" name="Picture 8">
+                <a:extLst>
+                  <a:ext uri="{FF2B5EF4-FFF2-40B4-BE49-F238E27FC236}">
+                    <a16:creationId xmlns:a16="http://schemas.microsoft.com/office/drawing/2014/main" id="{371D7F5C-E957-2F8D-E117-63D500C8D14C}"/>
+                  </a:ext>
+                </a:extLst>
+              </p:cNvPr>
+              <p:cNvPicPr>
+                <a:picLocks noChangeAspect="1"/>
+              </p:cNvPicPr>
+              <p:nvPr/>
+            </p:nvPicPr>
+            <p:blipFill>
+              <a:blip r:embed="rId3"/>
+              <a:stretch>
+                <a:fillRect/>
+              </a:stretch>
+            </p:blipFill>
+            <p:spPr>
+              <a:xfrm>
+                <a:off x="3657600" y="15930228"/>
+                <a:ext cx="3657600" cy="3657600"/>
+              </a:xfrm>
+              <a:prstGeom prst="rect">
+                <a:avLst/>
+              </a:prstGeom>
+            </p:spPr>
+          </p:pic>
+          <p:sp>
+            <p:nvSpPr>
+              <p:cNvPr id="15" name="TextBox 14">
+                <a:extLst>
+                  <a:ext uri="{FF2B5EF4-FFF2-40B4-BE49-F238E27FC236}">
+                    <a16:creationId xmlns:a16="http://schemas.microsoft.com/office/drawing/2014/main" id="{E31071E1-94D5-6221-380E-A2F24A0467D8}"/>
+                  </a:ext>
+                </a:extLst>
+              </p:cNvPr>
+              <p:cNvSpPr txBox="1"/>
+              <p:nvPr/>
+            </p:nvSpPr>
+            <p:spPr>
+              <a:xfrm>
+                <a:off x="4473388" y="16011444"/>
+                <a:ext cx="351378" cy="369332"/>
+              </a:xfrm>
+              <a:prstGeom prst="rect">
+                <a:avLst/>
+              </a:prstGeom>
+              <a:noFill/>
+            </p:spPr>
+            <p:txBody>
+              <a:bodyPr wrap="none" rtlCol="0">
+                <a:spAutoFit/>
+              </a:bodyPr>
+              <a:lstStyle/>
+              <a:p>
+                <a:r>
+                  <a:rPr lang="en-AT" b="1" dirty="0">
+                    <a:latin typeface="Helvetica" pitchFamily="2" charset="0"/>
+                  </a:rPr>
+                  <a:t>B</a:t>
+                </a:r>
+              </a:p>
+            </p:txBody>
+          </p:sp>
+        </p:grpSp>
       </p:grpSp>
     </p:spTree>
     <p:extLst>
